--- a/设计模式.pptx
+++ b/设计模式.pptx
@@ -5,15 +5,25 @@
     <p:sldMasterId id="2147483648" r:id="rId1"/>
   </p:sldMasterIdLst>
   <p:sldIdLst>
-    <p:sldId id="256" r:id="rId2"/>
-    <p:sldId id="257" r:id="rId3"/>
-    <p:sldId id="258" r:id="rId4"/>
-    <p:sldId id="259" r:id="rId5"/>
-    <p:sldId id="260" r:id="rId6"/>
-    <p:sldId id="261" r:id="rId7"/>
-    <p:sldId id="262" r:id="rId8"/>
-    <p:sldId id="263" r:id="rId9"/>
-    <p:sldId id="264" r:id="rId10"/>
+    <p:sldId id="266" r:id="rId2"/>
+    <p:sldId id="256" r:id="rId3"/>
+    <p:sldId id="257" r:id="rId4"/>
+    <p:sldId id="258" r:id="rId5"/>
+    <p:sldId id="259" r:id="rId6"/>
+    <p:sldId id="260" r:id="rId7"/>
+    <p:sldId id="261" r:id="rId8"/>
+    <p:sldId id="262" r:id="rId9"/>
+    <p:sldId id="263" r:id="rId10"/>
+    <p:sldId id="264" r:id="rId11"/>
+    <p:sldId id="265" r:id="rId12"/>
+    <p:sldId id="267" r:id="rId13"/>
+    <p:sldId id="268" r:id="rId14"/>
+    <p:sldId id="269" r:id="rId15"/>
+    <p:sldId id="270" r:id="rId16"/>
+    <p:sldId id="271" r:id="rId17"/>
+    <p:sldId id="272" r:id="rId18"/>
+    <p:sldId id="273" r:id="rId19"/>
+    <p:sldId id="274" r:id="rId20"/>
   </p:sldIdLst>
   <p:sldSz cx="9144000" cy="6858000" type="screen4x3"/>
   <p:notesSz cx="6858000" cy="9144000"/>
@@ -3067,6 +3077,919 @@
           <a:chExt cx="0" cy="0"/>
         </a:xfrm>
       </p:grpSpPr>
+      <p:sp>
+        <p:nvSpPr>
+          <p:cNvPr id="2" name="标题 1"/>
+          <p:cNvSpPr>
+            <a:spLocks noGrp="1"/>
+          </p:cNvSpPr>
+          <p:nvPr>
+            <p:ph type="title"/>
+          </p:nvPr>
+        </p:nvSpPr>
+        <p:spPr/>
+        <p:txBody>
+          <a:bodyPr/>
+          <a:lstStyle/>
+          <a:p>
+            <a:r>
+              <a:rPr lang="zh-CN" altLang="en-US" dirty="0" smtClean="0"/>
+              <a:t>装饰者模式</a:t>
+            </a:r>
+            <a:endParaRPr lang="zh-CN" altLang="en-US" dirty="0"/>
+          </a:p>
+        </p:txBody>
+      </p:sp>
+      <p:pic>
+        <p:nvPicPr>
+          <p:cNvPr id="2050" name="Picture 2"/>
+          <p:cNvPicPr>
+            <a:picLocks noGrp="1" noChangeAspect="1" noChangeArrowheads="1"/>
+          </p:cNvPicPr>
+          <p:nvPr>
+            <p:ph idx="1"/>
+          </p:nvPr>
+        </p:nvPicPr>
+        <p:blipFill>
+          <a:blip r:embed="rId2"/>
+          <a:srcRect/>
+          <a:stretch>
+            <a:fillRect/>
+          </a:stretch>
+        </p:blipFill>
+        <p:spPr bwMode="auto">
+          <a:xfrm>
+            <a:off x="1105333" y="2463181"/>
+            <a:ext cx="6933334" cy="2800000"/>
+          </a:xfrm>
+          <a:prstGeom prst="rect">
+            <a:avLst/>
+          </a:prstGeom>
+          <a:noFill/>
+          <a:ln w="9525">
+            <a:noFill/>
+            <a:miter lim="800000"/>
+            <a:headEnd/>
+            <a:tailEnd/>
+          </a:ln>
+          <a:effectLst/>
+        </p:spPr>
+      </p:pic>
+    </p:spTree>
+  </p:cSld>
+  <p:clrMapOvr>
+    <a:masterClrMapping/>
+  </p:clrMapOvr>
+</p:sld>
+</file>
+
+<file path=ppt/slides/slide10.xml><?xml version="1.0" encoding="utf-8"?>
+<p:sld xmlns:a="http://schemas.openxmlformats.org/drawingml/2006/main" xmlns:r="http://schemas.openxmlformats.org/officeDocument/2006/relationships" xmlns:p="http://schemas.openxmlformats.org/presentationml/2006/main">
+  <p:cSld>
+    <p:spTree>
+      <p:nvGrpSpPr>
+        <p:cNvPr id="1" name=""/>
+        <p:cNvGrpSpPr/>
+        <p:nvPr/>
+      </p:nvGrpSpPr>
+      <p:grpSpPr>
+        <a:xfrm>
+          <a:off x="0" y="0"/>
+          <a:ext cx="0" cy="0"/>
+          <a:chOff x="0" y="0"/>
+          <a:chExt cx="0" cy="0"/>
+        </a:xfrm>
+      </p:grpSpPr>
+      <p:sp>
+        <p:nvSpPr>
+          <p:cNvPr id="2" name="标题 1"/>
+          <p:cNvSpPr>
+            <a:spLocks noGrp="1"/>
+          </p:cNvSpPr>
+          <p:nvPr>
+            <p:ph type="title"/>
+          </p:nvPr>
+        </p:nvSpPr>
+        <p:spPr/>
+        <p:txBody>
+          <a:bodyPr/>
+          <a:lstStyle/>
+          <a:p>
+            <a:r>
+              <a:rPr lang="zh-CN" altLang="en-US" dirty="0" smtClean="0"/>
+              <a:t>装饰者模式</a:t>
+            </a:r>
+            <a:endParaRPr lang="zh-CN" altLang="en-US" dirty="0"/>
+          </a:p>
+        </p:txBody>
+      </p:sp>
+      <p:pic>
+        <p:nvPicPr>
+          <p:cNvPr id="1026" name="Picture 2"/>
+          <p:cNvPicPr>
+            <a:picLocks noGrp="1" noChangeAspect="1" noChangeArrowheads="1"/>
+          </p:cNvPicPr>
+          <p:nvPr>
+            <p:ph idx="1"/>
+          </p:nvPr>
+        </p:nvPicPr>
+        <p:blipFill>
+          <a:blip r:embed="rId2"/>
+          <a:srcRect/>
+          <a:stretch>
+            <a:fillRect/>
+          </a:stretch>
+        </p:blipFill>
+        <p:spPr bwMode="auto">
+          <a:xfrm>
+            <a:off x="852952" y="1748895"/>
+            <a:ext cx="7438096" cy="4228572"/>
+          </a:xfrm>
+          <a:prstGeom prst="rect">
+            <a:avLst/>
+          </a:prstGeom>
+          <a:noFill/>
+          <a:ln w="9525">
+            <a:noFill/>
+            <a:miter lim="800000"/>
+            <a:headEnd/>
+            <a:tailEnd/>
+          </a:ln>
+          <a:effectLst/>
+        </p:spPr>
+      </p:pic>
+    </p:spTree>
+  </p:cSld>
+  <p:clrMapOvr>
+    <a:masterClrMapping/>
+  </p:clrMapOvr>
+</p:sld>
+</file>
+
+<file path=ppt/slides/slide11.xml><?xml version="1.0" encoding="utf-8"?>
+<p:sld xmlns:a="http://schemas.openxmlformats.org/drawingml/2006/main" xmlns:r="http://schemas.openxmlformats.org/officeDocument/2006/relationships" xmlns:p="http://schemas.openxmlformats.org/presentationml/2006/main">
+  <p:cSld>
+    <p:spTree>
+      <p:nvGrpSpPr>
+        <p:cNvPr id="1" name=""/>
+        <p:cNvGrpSpPr/>
+        <p:nvPr/>
+      </p:nvGrpSpPr>
+      <p:grpSpPr>
+        <a:xfrm>
+          <a:off x="0" y="0"/>
+          <a:ext cx="0" cy="0"/>
+          <a:chOff x="0" y="0"/>
+          <a:chExt cx="0" cy="0"/>
+        </a:xfrm>
+      </p:grpSpPr>
+      <p:sp>
+        <p:nvSpPr>
+          <p:cNvPr id="2" name="标题 1"/>
+          <p:cNvSpPr>
+            <a:spLocks noGrp="1"/>
+          </p:cNvSpPr>
+          <p:nvPr>
+            <p:ph type="title"/>
+          </p:nvPr>
+        </p:nvSpPr>
+        <p:spPr/>
+        <p:txBody>
+          <a:bodyPr/>
+          <a:lstStyle/>
+          <a:p>
+            <a:r>
+              <a:rPr lang="zh-CN" altLang="en-US" dirty="0" smtClean="0"/>
+              <a:t>组合模式</a:t>
+            </a:r>
+            <a:endParaRPr lang="zh-CN" altLang="en-US" dirty="0"/>
+          </a:p>
+        </p:txBody>
+      </p:sp>
+      <p:pic>
+        <p:nvPicPr>
+          <p:cNvPr id="1026" name="Picture 2"/>
+          <p:cNvPicPr>
+            <a:picLocks noGrp="1" noChangeAspect="1" noChangeArrowheads="1"/>
+          </p:cNvPicPr>
+          <p:nvPr>
+            <p:ph idx="1"/>
+          </p:nvPr>
+        </p:nvPicPr>
+        <p:blipFill>
+          <a:blip r:embed="rId2"/>
+          <a:srcRect/>
+          <a:stretch>
+            <a:fillRect/>
+          </a:stretch>
+        </p:blipFill>
+        <p:spPr bwMode="auto">
+          <a:xfrm>
+            <a:off x="1100571" y="2039372"/>
+            <a:ext cx="6942858" cy="3647619"/>
+          </a:xfrm>
+          <a:prstGeom prst="rect">
+            <a:avLst/>
+          </a:prstGeom>
+          <a:noFill/>
+          <a:ln w="9525">
+            <a:noFill/>
+            <a:miter lim="800000"/>
+            <a:headEnd/>
+            <a:tailEnd/>
+          </a:ln>
+          <a:effectLst/>
+        </p:spPr>
+      </p:pic>
+    </p:spTree>
+  </p:cSld>
+  <p:clrMapOvr>
+    <a:masterClrMapping/>
+  </p:clrMapOvr>
+</p:sld>
+</file>
+
+<file path=ppt/slides/slide12.xml><?xml version="1.0" encoding="utf-8"?>
+<p:sld xmlns:a="http://schemas.openxmlformats.org/drawingml/2006/main" xmlns:r="http://schemas.openxmlformats.org/officeDocument/2006/relationships" xmlns:p="http://schemas.openxmlformats.org/presentationml/2006/main">
+  <p:cSld>
+    <p:spTree>
+      <p:nvGrpSpPr>
+        <p:cNvPr id="1" name=""/>
+        <p:cNvGrpSpPr/>
+        <p:nvPr/>
+      </p:nvGrpSpPr>
+      <p:grpSpPr>
+        <a:xfrm>
+          <a:off x="0" y="0"/>
+          <a:ext cx="0" cy="0"/>
+          <a:chOff x="0" y="0"/>
+          <a:chExt cx="0" cy="0"/>
+        </a:xfrm>
+      </p:grpSpPr>
+      <p:sp>
+        <p:nvSpPr>
+          <p:cNvPr id="2" name="标题 1"/>
+          <p:cNvSpPr>
+            <a:spLocks noGrp="1"/>
+          </p:cNvSpPr>
+          <p:nvPr>
+            <p:ph type="title"/>
+          </p:nvPr>
+        </p:nvSpPr>
+        <p:spPr/>
+        <p:txBody>
+          <a:bodyPr/>
+          <a:lstStyle/>
+          <a:p>
+            <a:r>
+              <a:rPr lang="zh-CN" altLang="en-US" dirty="0" smtClean="0"/>
+              <a:t>组合模式</a:t>
+            </a:r>
+            <a:endParaRPr lang="zh-CN" altLang="en-US" dirty="0"/>
+          </a:p>
+        </p:txBody>
+      </p:sp>
+      <p:pic>
+        <p:nvPicPr>
+          <p:cNvPr id="3074" name="Picture 2"/>
+          <p:cNvPicPr>
+            <a:picLocks noGrp="1" noChangeAspect="1" noChangeArrowheads="1"/>
+          </p:cNvPicPr>
+          <p:nvPr>
+            <p:ph idx="1"/>
+          </p:nvPr>
+        </p:nvPicPr>
+        <p:blipFill>
+          <a:blip r:embed="rId2"/>
+          <a:srcRect/>
+          <a:stretch>
+            <a:fillRect/>
+          </a:stretch>
+        </p:blipFill>
+        <p:spPr bwMode="auto">
+          <a:xfrm>
+            <a:off x="972000" y="2406038"/>
+            <a:ext cx="7200000" cy="2914286"/>
+          </a:xfrm>
+          <a:prstGeom prst="rect">
+            <a:avLst/>
+          </a:prstGeom>
+          <a:noFill/>
+          <a:ln w="9525">
+            <a:noFill/>
+            <a:miter lim="800000"/>
+            <a:headEnd/>
+            <a:tailEnd/>
+          </a:ln>
+          <a:effectLst/>
+        </p:spPr>
+      </p:pic>
+    </p:spTree>
+  </p:cSld>
+  <p:clrMapOvr>
+    <a:masterClrMapping/>
+  </p:clrMapOvr>
+</p:sld>
+</file>
+
+<file path=ppt/slides/slide13.xml><?xml version="1.0" encoding="utf-8"?>
+<p:sld xmlns:a="http://schemas.openxmlformats.org/drawingml/2006/main" xmlns:r="http://schemas.openxmlformats.org/officeDocument/2006/relationships" xmlns:p="http://schemas.openxmlformats.org/presentationml/2006/main">
+  <p:cSld>
+    <p:spTree>
+      <p:nvGrpSpPr>
+        <p:cNvPr id="1" name=""/>
+        <p:cNvGrpSpPr/>
+        <p:nvPr/>
+      </p:nvGrpSpPr>
+      <p:grpSpPr>
+        <a:xfrm>
+          <a:off x="0" y="0"/>
+          <a:ext cx="0" cy="0"/>
+          <a:chOff x="0" y="0"/>
+          <a:chExt cx="0" cy="0"/>
+        </a:xfrm>
+      </p:grpSpPr>
+      <p:sp>
+        <p:nvSpPr>
+          <p:cNvPr id="2" name="标题 1"/>
+          <p:cNvSpPr>
+            <a:spLocks noGrp="1"/>
+          </p:cNvSpPr>
+          <p:nvPr>
+            <p:ph type="title"/>
+          </p:nvPr>
+        </p:nvSpPr>
+        <p:spPr/>
+        <p:txBody>
+          <a:bodyPr/>
+          <a:lstStyle/>
+          <a:p>
+            <a:r>
+              <a:rPr lang="zh-CN" altLang="en-US" dirty="0" smtClean="0"/>
+              <a:t>组合模式</a:t>
+            </a:r>
+            <a:endParaRPr lang="zh-CN" altLang="en-US" dirty="0"/>
+          </a:p>
+        </p:txBody>
+      </p:sp>
+      <p:pic>
+        <p:nvPicPr>
+          <p:cNvPr id="4098" name="Picture 2"/>
+          <p:cNvPicPr>
+            <a:picLocks noGrp="1" noChangeAspect="1" noChangeArrowheads="1"/>
+          </p:cNvPicPr>
+          <p:nvPr>
+            <p:ph idx="1"/>
+          </p:nvPr>
+        </p:nvPicPr>
+        <p:blipFill>
+          <a:blip r:embed="rId2"/>
+          <a:srcRect/>
+          <a:stretch>
+            <a:fillRect/>
+          </a:stretch>
+        </p:blipFill>
+        <p:spPr bwMode="auto">
+          <a:xfrm>
+            <a:off x="1086285" y="2334610"/>
+            <a:ext cx="6971429" cy="3057143"/>
+          </a:xfrm>
+          <a:prstGeom prst="rect">
+            <a:avLst/>
+          </a:prstGeom>
+          <a:noFill/>
+          <a:ln w="9525">
+            <a:noFill/>
+            <a:miter lim="800000"/>
+            <a:headEnd/>
+            <a:tailEnd/>
+          </a:ln>
+          <a:effectLst/>
+        </p:spPr>
+      </p:pic>
+    </p:spTree>
+  </p:cSld>
+  <p:clrMapOvr>
+    <a:masterClrMapping/>
+  </p:clrMapOvr>
+</p:sld>
+</file>
+
+<file path=ppt/slides/slide14.xml><?xml version="1.0" encoding="utf-8"?>
+<p:sld xmlns:a="http://schemas.openxmlformats.org/drawingml/2006/main" xmlns:r="http://schemas.openxmlformats.org/officeDocument/2006/relationships" xmlns:p="http://schemas.openxmlformats.org/presentationml/2006/main">
+  <p:cSld>
+    <p:spTree>
+      <p:nvGrpSpPr>
+        <p:cNvPr id="1" name=""/>
+        <p:cNvGrpSpPr/>
+        <p:nvPr/>
+      </p:nvGrpSpPr>
+      <p:grpSpPr>
+        <a:xfrm>
+          <a:off x="0" y="0"/>
+          <a:ext cx="0" cy="0"/>
+          <a:chOff x="0" y="0"/>
+          <a:chExt cx="0" cy="0"/>
+        </a:xfrm>
+      </p:grpSpPr>
+      <p:sp>
+        <p:nvSpPr>
+          <p:cNvPr id="2" name="标题 1"/>
+          <p:cNvSpPr>
+            <a:spLocks noGrp="1"/>
+          </p:cNvSpPr>
+          <p:nvPr>
+            <p:ph type="title"/>
+          </p:nvPr>
+        </p:nvSpPr>
+        <p:spPr/>
+        <p:txBody>
+          <a:bodyPr/>
+          <a:lstStyle/>
+          <a:p>
+            <a:r>
+              <a:rPr lang="zh-CN" altLang="en-US" dirty="0" smtClean="0"/>
+              <a:t>组合模式</a:t>
+            </a:r>
+            <a:endParaRPr lang="zh-CN" altLang="en-US" dirty="0"/>
+          </a:p>
+        </p:txBody>
+      </p:sp>
+      <p:pic>
+        <p:nvPicPr>
+          <p:cNvPr id="5122" name="Picture 2"/>
+          <p:cNvPicPr>
+            <a:picLocks noGrp="1" noChangeAspect="1" noChangeArrowheads="1"/>
+          </p:cNvPicPr>
+          <p:nvPr>
+            <p:ph idx="1"/>
+          </p:nvPr>
+        </p:nvPicPr>
+        <p:blipFill>
+          <a:blip r:embed="rId2"/>
+          <a:srcRect/>
+          <a:stretch>
+            <a:fillRect/>
+          </a:stretch>
+        </p:blipFill>
+        <p:spPr bwMode="auto">
+          <a:xfrm>
+            <a:off x="919619" y="1639372"/>
+            <a:ext cx="7304762" cy="4447619"/>
+          </a:xfrm>
+          <a:prstGeom prst="rect">
+            <a:avLst/>
+          </a:prstGeom>
+          <a:noFill/>
+          <a:ln w="9525">
+            <a:noFill/>
+            <a:miter lim="800000"/>
+            <a:headEnd/>
+            <a:tailEnd/>
+          </a:ln>
+          <a:effectLst/>
+        </p:spPr>
+      </p:pic>
+    </p:spTree>
+  </p:cSld>
+  <p:clrMapOvr>
+    <a:masterClrMapping/>
+  </p:clrMapOvr>
+</p:sld>
+</file>
+
+<file path=ppt/slides/slide15.xml><?xml version="1.0" encoding="utf-8"?>
+<p:sld xmlns:a="http://schemas.openxmlformats.org/drawingml/2006/main" xmlns:r="http://schemas.openxmlformats.org/officeDocument/2006/relationships" xmlns:p="http://schemas.openxmlformats.org/presentationml/2006/main">
+  <p:cSld>
+    <p:spTree>
+      <p:nvGrpSpPr>
+        <p:cNvPr id="1" name=""/>
+        <p:cNvGrpSpPr/>
+        <p:nvPr/>
+      </p:nvGrpSpPr>
+      <p:grpSpPr>
+        <a:xfrm>
+          <a:off x="0" y="0"/>
+          <a:ext cx="0" cy="0"/>
+          <a:chOff x="0" y="0"/>
+          <a:chExt cx="0" cy="0"/>
+        </a:xfrm>
+      </p:grpSpPr>
+      <p:sp>
+        <p:nvSpPr>
+          <p:cNvPr id="2" name="标题 1"/>
+          <p:cNvSpPr>
+            <a:spLocks noGrp="1"/>
+          </p:cNvSpPr>
+          <p:nvPr>
+            <p:ph type="title"/>
+          </p:nvPr>
+        </p:nvSpPr>
+        <p:spPr/>
+        <p:txBody>
+          <a:bodyPr/>
+          <a:lstStyle/>
+          <a:p>
+            <a:r>
+              <a:rPr lang="zh-CN" altLang="en-US" dirty="0" smtClean="0"/>
+              <a:t>组合模式</a:t>
+            </a:r>
+            <a:endParaRPr lang="zh-CN" altLang="en-US" dirty="0"/>
+          </a:p>
+        </p:txBody>
+      </p:sp>
+      <p:pic>
+        <p:nvPicPr>
+          <p:cNvPr id="6146" name="Picture 2"/>
+          <p:cNvPicPr>
+            <a:picLocks noGrp="1" noChangeAspect="1" noChangeArrowheads="1"/>
+          </p:cNvPicPr>
+          <p:nvPr>
+            <p:ph idx="1"/>
+          </p:nvPr>
+        </p:nvPicPr>
+        <p:blipFill>
+          <a:blip r:embed="rId2"/>
+          <a:srcRect/>
+          <a:stretch>
+            <a:fillRect/>
+          </a:stretch>
+        </p:blipFill>
+        <p:spPr bwMode="auto">
+          <a:xfrm>
+            <a:off x="1086285" y="1877467"/>
+            <a:ext cx="6971429" cy="3971429"/>
+          </a:xfrm>
+          <a:prstGeom prst="rect">
+            <a:avLst/>
+          </a:prstGeom>
+          <a:noFill/>
+          <a:ln w="9525">
+            <a:noFill/>
+            <a:miter lim="800000"/>
+            <a:headEnd/>
+            <a:tailEnd/>
+          </a:ln>
+          <a:effectLst/>
+        </p:spPr>
+      </p:pic>
+    </p:spTree>
+  </p:cSld>
+  <p:clrMapOvr>
+    <a:masterClrMapping/>
+  </p:clrMapOvr>
+</p:sld>
+</file>
+
+<file path=ppt/slides/slide16.xml><?xml version="1.0" encoding="utf-8"?>
+<p:sld xmlns:a="http://schemas.openxmlformats.org/drawingml/2006/main" xmlns:r="http://schemas.openxmlformats.org/officeDocument/2006/relationships" xmlns:p="http://schemas.openxmlformats.org/presentationml/2006/main">
+  <p:cSld>
+    <p:spTree>
+      <p:nvGrpSpPr>
+        <p:cNvPr id="1" name=""/>
+        <p:cNvGrpSpPr/>
+        <p:nvPr/>
+      </p:nvGrpSpPr>
+      <p:grpSpPr>
+        <a:xfrm>
+          <a:off x="0" y="0"/>
+          <a:ext cx="0" cy="0"/>
+          <a:chOff x="0" y="0"/>
+          <a:chExt cx="0" cy="0"/>
+        </a:xfrm>
+      </p:grpSpPr>
+      <p:sp>
+        <p:nvSpPr>
+          <p:cNvPr id="2" name="标题 1"/>
+          <p:cNvSpPr>
+            <a:spLocks noGrp="1"/>
+          </p:cNvSpPr>
+          <p:nvPr>
+            <p:ph type="title"/>
+          </p:nvPr>
+        </p:nvSpPr>
+        <p:spPr/>
+        <p:txBody>
+          <a:bodyPr/>
+          <a:lstStyle/>
+          <a:p>
+            <a:r>
+              <a:rPr lang="zh-CN" altLang="en-US" dirty="0" smtClean="0"/>
+              <a:t>组合模式</a:t>
+            </a:r>
+            <a:endParaRPr lang="zh-CN" altLang="en-US" dirty="0"/>
+          </a:p>
+        </p:txBody>
+      </p:sp>
+      <p:pic>
+        <p:nvPicPr>
+          <p:cNvPr id="7170" name="Picture 2"/>
+          <p:cNvPicPr>
+            <a:picLocks noGrp="1" noChangeAspect="1" noChangeArrowheads="1"/>
+          </p:cNvPicPr>
+          <p:nvPr>
+            <p:ph idx="1"/>
+          </p:nvPr>
+        </p:nvPicPr>
+        <p:blipFill>
+          <a:blip r:embed="rId2"/>
+          <a:srcRect/>
+          <a:stretch>
+            <a:fillRect/>
+          </a:stretch>
+        </p:blipFill>
+        <p:spPr bwMode="auto">
+          <a:xfrm>
+            <a:off x="938666" y="2296514"/>
+            <a:ext cx="7266667" cy="3133334"/>
+          </a:xfrm>
+          <a:prstGeom prst="rect">
+            <a:avLst/>
+          </a:prstGeom>
+          <a:noFill/>
+          <a:ln w="9525">
+            <a:noFill/>
+            <a:miter lim="800000"/>
+            <a:headEnd/>
+            <a:tailEnd/>
+          </a:ln>
+          <a:effectLst/>
+        </p:spPr>
+      </p:pic>
+    </p:spTree>
+  </p:cSld>
+  <p:clrMapOvr>
+    <a:masterClrMapping/>
+  </p:clrMapOvr>
+</p:sld>
+</file>
+
+<file path=ppt/slides/slide17.xml><?xml version="1.0" encoding="utf-8"?>
+<p:sld xmlns:a="http://schemas.openxmlformats.org/drawingml/2006/main" xmlns:r="http://schemas.openxmlformats.org/officeDocument/2006/relationships" xmlns:p="http://schemas.openxmlformats.org/presentationml/2006/main">
+  <p:cSld>
+    <p:spTree>
+      <p:nvGrpSpPr>
+        <p:cNvPr id="1" name=""/>
+        <p:cNvGrpSpPr/>
+        <p:nvPr/>
+      </p:nvGrpSpPr>
+      <p:grpSpPr>
+        <a:xfrm>
+          <a:off x="0" y="0"/>
+          <a:ext cx="0" cy="0"/>
+          <a:chOff x="0" y="0"/>
+          <a:chExt cx="0" cy="0"/>
+        </a:xfrm>
+      </p:grpSpPr>
+      <p:sp>
+        <p:nvSpPr>
+          <p:cNvPr id="2" name="标题 1"/>
+          <p:cNvSpPr>
+            <a:spLocks noGrp="1"/>
+          </p:cNvSpPr>
+          <p:nvPr>
+            <p:ph type="title"/>
+          </p:nvPr>
+        </p:nvSpPr>
+        <p:spPr/>
+        <p:txBody>
+          <a:bodyPr/>
+          <a:lstStyle/>
+          <a:p>
+            <a:r>
+              <a:rPr lang="zh-CN" altLang="en-US" dirty="0" smtClean="0"/>
+              <a:t>组合模式</a:t>
+            </a:r>
+            <a:endParaRPr lang="zh-CN" altLang="en-US" dirty="0"/>
+          </a:p>
+        </p:txBody>
+      </p:sp>
+      <p:pic>
+        <p:nvPicPr>
+          <p:cNvPr id="8194" name="Picture 2"/>
+          <p:cNvPicPr>
+            <a:picLocks noGrp="1" noChangeAspect="1" noChangeArrowheads="1"/>
+          </p:cNvPicPr>
+          <p:nvPr>
+            <p:ph idx="1"/>
+          </p:nvPr>
+        </p:nvPicPr>
+        <p:blipFill>
+          <a:blip r:embed="rId2"/>
+          <a:srcRect/>
+          <a:stretch>
+            <a:fillRect/>
+          </a:stretch>
+        </p:blipFill>
+        <p:spPr bwMode="auto">
+          <a:xfrm>
+            <a:off x="876761" y="1906038"/>
+            <a:ext cx="7390477" cy="3914286"/>
+          </a:xfrm>
+          <a:prstGeom prst="rect">
+            <a:avLst/>
+          </a:prstGeom>
+          <a:noFill/>
+          <a:ln w="9525">
+            <a:noFill/>
+            <a:miter lim="800000"/>
+            <a:headEnd/>
+            <a:tailEnd/>
+          </a:ln>
+          <a:effectLst/>
+        </p:spPr>
+      </p:pic>
+    </p:spTree>
+  </p:cSld>
+  <p:clrMapOvr>
+    <a:masterClrMapping/>
+  </p:clrMapOvr>
+</p:sld>
+</file>
+
+<file path=ppt/slides/slide18.xml><?xml version="1.0" encoding="utf-8"?>
+<p:sld xmlns:a="http://schemas.openxmlformats.org/drawingml/2006/main" xmlns:r="http://schemas.openxmlformats.org/officeDocument/2006/relationships" xmlns:p="http://schemas.openxmlformats.org/presentationml/2006/main">
+  <p:cSld>
+    <p:spTree>
+      <p:nvGrpSpPr>
+        <p:cNvPr id="1" name=""/>
+        <p:cNvGrpSpPr/>
+        <p:nvPr/>
+      </p:nvGrpSpPr>
+      <p:grpSpPr>
+        <a:xfrm>
+          <a:off x="0" y="0"/>
+          <a:ext cx="0" cy="0"/>
+          <a:chOff x="0" y="0"/>
+          <a:chExt cx="0" cy="0"/>
+        </a:xfrm>
+      </p:grpSpPr>
+      <p:sp>
+        <p:nvSpPr>
+          <p:cNvPr id="2" name="标题 1"/>
+          <p:cNvSpPr>
+            <a:spLocks noGrp="1"/>
+          </p:cNvSpPr>
+          <p:nvPr>
+            <p:ph type="title"/>
+          </p:nvPr>
+        </p:nvSpPr>
+        <p:spPr/>
+        <p:txBody>
+          <a:bodyPr/>
+          <a:lstStyle/>
+          <a:p>
+            <a:r>
+              <a:rPr lang="zh-CN" altLang="en-US" dirty="0" smtClean="0"/>
+              <a:t>组合模式</a:t>
+            </a:r>
+            <a:endParaRPr lang="zh-CN" altLang="en-US" dirty="0"/>
+          </a:p>
+        </p:txBody>
+      </p:sp>
+      <p:pic>
+        <p:nvPicPr>
+          <p:cNvPr id="9218" name="Picture 2"/>
+          <p:cNvPicPr>
+            <a:picLocks noGrp="1" noChangeAspect="1" noChangeArrowheads="1"/>
+          </p:cNvPicPr>
+          <p:nvPr>
+            <p:ph idx="1"/>
+          </p:nvPr>
+        </p:nvPicPr>
+        <p:blipFill>
+          <a:blip r:embed="rId2"/>
+          <a:srcRect/>
+          <a:stretch>
+            <a:fillRect/>
+          </a:stretch>
+        </p:blipFill>
+        <p:spPr bwMode="auto">
+          <a:xfrm>
+            <a:off x="843428" y="2158419"/>
+            <a:ext cx="7457143" cy="3409524"/>
+          </a:xfrm>
+          <a:prstGeom prst="rect">
+            <a:avLst/>
+          </a:prstGeom>
+          <a:noFill/>
+          <a:ln w="9525">
+            <a:noFill/>
+            <a:miter lim="800000"/>
+            <a:headEnd/>
+            <a:tailEnd/>
+          </a:ln>
+          <a:effectLst/>
+        </p:spPr>
+      </p:pic>
+    </p:spTree>
+  </p:cSld>
+  <p:clrMapOvr>
+    <a:masterClrMapping/>
+  </p:clrMapOvr>
+</p:sld>
+</file>
+
+<file path=ppt/slides/slide19.xml><?xml version="1.0" encoding="utf-8"?>
+<p:sld xmlns:a="http://schemas.openxmlformats.org/drawingml/2006/main" xmlns:r="http://schemas.openxmlformats.org/officeDocument/2006/relationships" xmlns:p="http://schemas.openxmlformats.org/presentationml/2006/main">
+  <p:cSld>
+    <p:spTree>
+      <p:nvGrpSpPr>
+        <p:cNvPr id="1" name=""/>
+        <p:cNvGrpSpPr/>
+        <p:nvPr/>
+      </p:nvGrpSpPr>
+      <p:grpSpPr>
+        <a:xfrm>
+          <a:off x="0" y="0"/>
+          <a:ext cx="0" cy="0"/>
+          <a:chOff x="0" y="0"/>
+          <a:chExt cx="0" cy="0"/>
+        </a:xfrm>
+      </p:grpSpPr>
+      <p:sp>
+        <p:nvSpPr>
+          <p:cNvPr id="2" name="标题 1"/>
+          <p:cNvSpPr>
+            <a:spLocks noGrp="1"/>
+          </p:cNvSpPr>
+          <p:nvPr>
+            <p:ph type="title"/>
+          </p:nvPr>
+        </p:nvSpPr>
+        <p:spPr/>
+        <p:txBody>
+          <a:bodyPr/>
+          <a:lstStyle/>
+          <a:p>
+            <a:r>
+              <a:rPr lang="zh-CN" altLang="en-US" dirty="0" smtClean="0"/>
+              <a:t>外观模式</a:t>
+            </a:r>
+            <a:endParaRPr lang="zh-CN" altLang="en-US" dirty="0"/>
+          </a:p>
+        </p:txBody>
+      </p:sp>
+      <p:pic>
+        <p:nvPicPr>
+          <p:cNvPr id="10242" name="Picture 2"/>
+          <p:cNvPicPr>
+            <a:picLocks noGrp="1" noChangeAspect="1" noChangeArrowheads="1"/>
+          </p:cNvPicPr>
+          <p:nvPr>
+            <p:ph idx="1"/>
+          </p:nvPr>
+        </p:nvPicPr>
+        <p:blipFill>
+          <a:blip r:embed="rId2"/>
+          <a:srcRect/>
+          <a:stretch>
+            <a:fillRect/>
+          </a:stretch>
+        </p:blipFill>
+        <p:spPr bwMode="auto">
+          <a:xfrm>
+            <a:off x="948190" y="2063181"/>
+            <a:ext cx="7247620" cy="3600000"/>
+          </a:xfrm>
+          <a:prstGeom prst="rect">
+            <a:avLst/>
+          </a:prstGeom>
+          <a:noFill/>
+          <a:ln w="9525">
+            <a:noFill/>
+            <a:miter lim="800000"/>
+            <a:headEnd/>
+            <a:tailEnd/>
+          </a:ln>
+          <a:effectLst/>
+        </p:spPr>
+      </p:pic>
+    </p:spTree>
+  </p:cSld>
+  <p:clrMapOvr>
+    <a:masterClrMapping/>
+  </p:clrMapOvr>
+</p:sld>
+</file>
+
+<file path=ppt/slides/slide2.xml><?xml version="1.0" encoding="utf-8"?>
+<p:sld xmlns:a="http://schemas.openxmlformats.org/drawingml/2006/main" xmlns:r="http://schemas.openxmlformats.org/officeDocument/2006/relationships" xmlns:p="http://schemas.openxmlformats.org/presentationml/2006/main">
+  <p:cSld>
+    <p:spTree>
+      <p:nvGrpSpPr>
+        <p:cNvPr id="1" name=""/>
+        <p:cNvGrpSpPr/>
+        <p:nvPr/>
+      </p:nvGrpSpPr>
+      <p:grpSpPr>
+        <a:xfrm>
+          <a:off x="0" y="0"/>
+          <a:ext cx="0" cy="0"/>
+          <a:chOff x="0" y="0"/>
+          <a:chExt cx="0" cy="0"/>
+        </a:xfrm>
+      </p:grpSpPr>
       <p:pic>
         <p:nvPicPr>
           <p:cNvPr id="1026" name="Picture 2"/>
@@ -3136,89 +4059,6 @@
 </p:sld>
 </file>
 
-<file path=ppt/slides/slide2.xml><?xml version="1.0" encoding="utf-8"?>
-<p:sld xmlns:a="http://schemas.openxmlformats.org/drawingml/2006/main" xmlns:r="http://schemas.openxmlformats.org/officeDocument/2006/relationships" xmlns:p="http://schemas.openxmlformats.org/presentationml/2006/main">
-  <p:cSld>
-    <p:spTree>
-      <p:nvGrpSpPr>
-        <p:cNvPr id="1" name=""/>
-        <p:cNvGrpSpPr/>
-        <p:nvPr/>
-      </p:nvGrpSpPr>
-      <p:grpSpPr>
-        <a:xfrm>
-          <a:off x="0" y="0"/>
-          <a:ext cx="0" cy="0"/>
-          <a:chOff x="0" y="0"/>
-          <a:chExt cx="0" cy="0"/>
-        </a:xfrm>
-      </p:grpSpPr>
-      <p:sp>
-        <p:nvSpPr>
-          <p:cNvPr id="2" name="标题 1"/>
-          <p:cNvSpPr>
-            <a:spLocks noGrp="1"/>
-          </p:cNvSpPr>
-          <p:nvPr>
-            <p:ph type="title"/>
-          </p:nvPr>
-        </p:nvSpPr>
-        <p:spPr/>
-        <p:txBody>
-          <a:bodyPr/>
-          <a:lstStyle/>
-          <a:p>
-            <a:r>
-              <a:rPr lang="zh-CN" altLang="en-US" dirty="0" smtClean="0"/>
-              <a:t>装饰者模式</a:t>
-            </a:r>
-            <a:endParaRPr lang="zh-CN" altLang="en-US" dirty="0"/>
-          </a:p>
-        </p:txBody>
-      </p:sp>
-      <p:pic>
-        <p:nvPicPr>
-          <p:cNvPr id="2050" name="Picture 2"/>
-          <p:cNvPicPr>
-            <a:picLocks noGrp="1" noChangeAspect="1" noChangeArrowheads="1"/>
-          </p:cNvPicPr>
-          <p:nvPr>
-            <p:ph idx="1"/>
-          </p:nvPr>
-        </p:nvPicPr>
-        <p:blipFill>
-          <a:blip r:embed="rId2"/>
-          <a:srcRect/>
-          <a:stretch>
-            <a:fillRect/>
-          </a:stretch>
-        </p:blipFill>
-        <p:spPr bwMode="auto">
-          <a:xfrm>
-            <a:off x="957714" y="1910800"/>
-            <a:ext cx="7228572" cy="3904762"/>
-          </a:xfrm>
-          <a:prstGeom prst="rect">
-            <a:avLst/>
-          </a:prstGeom>
-          <a:noFill/>
-          <a:ln w="9525">
-            <a:noFill/>
-            <a:miter lim="800000"/>
-            <a:headEnd/>
-            <a:tailEnd/>
-          </a:ln>
-          <a:effectLst/>
-        </p:spPr>
-      </p:pic>
-    </p:spTree>
-  </p:cSld>
-  <p:clrMapOvr>
-    <a:masterClrMapping/>
-  </p:clrMapOvr>
-</p:sld>
-</file>
-
 <file path=ppt/slides/slide3.xml><?xml version="1.0" encoding="utf-8"?>
 <p:sld xmlns:a="http://schemas.openxmlformats.org/drawingml/2006/main" xmlns:r="http://schemas.openxmlformats.org/officeDocument/2006/relationships" xmlns:p="http://schemas.openxmlformats.org/presentationml/2006/main">
   <p:cSld>
@@ -3261,7 +4101,7 @@
       </p:sp>
       <p:pic>
         <p:nvPicPr>
-          <p:cNvPr id="3074" name="Picture 2"/>
+          <p:cNvPr id="2050" name="Picture 2"/>
           <p:cNvPicPr>
             <a:picLocks noGrp="1" noChangeAspect="1" noChangeArrowheads="1"/>
           </p:cNvPicPr>
@@ -3278,8 +4118,8 @@
         </p:blipFill>
         <p:spPr bwMode="auto">
           <a:xfrm>
-            <a:off x="986285" y="2763181"/>
-            <a:ext cx="7171429" cy="2200000"/>
+            <a:off x="957714" y="1910800"/>
+            <a:ext cx="7228572" cy="3904762"/>
           </a:xfrm>
           <a:prstGeom prst="rect">
             <a:avLst/>
@@ -3344,7 +4184,7 @@
       </p:sp>
       <p:pic>
         <p:nvPicPr>
-          <p:cNvPr id="4098" name="Picture 2"/>
+          <p:cNvPr id="3074" name="Picture 2"/>
           <p:cNvPicPr>
             <a:picLocks noGrp="1" noChangeAspect="1" noChangeArrowheads="1"/>
           </p:cNvPicPr>
@@ -3361,8 +4201,8 @@
         </p:blipFill>
         <p:spPr bwMode="auto">
           <a:xfrm>
-            <a:off x="862476" y="2758419"/>
-            <a:ext cx="7419048" cy="2209524"/>
+            <a:off x="986285" y="2763181"/>
+            <a:ext cx="7171429" cy="2200000"/>
           </a:xfrm>
           <a:prstGeom prst="rect">
             <a:avLst/>
@@ -3427,7 +4267,7 @@
       </p:sp>
       <p:pic>
         <p:nvPicPr>
-          <p:cNvPr id="5122" name="Picture 2"/>
+          <p:cNvPr id="4098" name="Picture 2"/>
           <p:cNvPicPr>
             <a:picLocks noGrp="1" noChangeAspect="1" noChangeArrowheads="1"/>
           </p:cNvPicPr>
@@ -3444,8 +4284,8 @@
         </p:blipFill>
         <p:spPr bwMode="auto">
           <a:xfrm>
-            <a:off x="457200" y="1849264"/>
-            <a:ext cx="8229600" cy="4027835"/>
+            <a:off x="862476" y="2758419"/>
+            <a:ext cx="7419048" cy="2209524"/>
           </a:xfrm>
           <a:prstGeom prst="rect">
             <a:avLst/>
@@ -3510,7 +4350,7 @@
       </p:sp>
       <p:pic>
         <p:nvPicPr>
-          <p:cNvPr id="6146" name="Picture 2"/>
+          <p:cNvPr id="5122" name="Picture 2"/>
           <p:cNvPicPr>
             <a:picLocks noGrp="1" noChangeAspect="1" noChangeArrowheads="1"/>
           </p:cNvPicPr>
@@ -3527,8 +4367,8 @@
         </p:blipFill>
         <p:spPr bwMode="auto">
           <a:xfrm>
-            <a:off x="605333" y="1777467"/>
-            <a:ext cx="7933334" cy="4171429"/>
+            <a:off x="457200" y="1849264"/>
+            <a:ext cx="8229600" cy="4027835"/>
           </a:xfrm>
           <a:prstGeom prst="rect">
             <a:avLst/>
@@ -3593,7 +4433,7 @@
       </p:sp>
       <p:pic>
         <p:nvPicPr>
-          <p:cNvPr id="7170" name="Picture 2"/>
+          <p:cNvPr id="6146" name="Picture 2"/>
           <p:cNvPicPr>
             <a:picLocks noGrp="1" noChangeAspect="1" noChangeArrowheads="1"/>
           </p:cNvPicPr>
@@ -3610,8 +4450,8 @@
         </p:blipFill>
         <p:spPr bwMode="auto">
           <a:xfrm>
-            <a:off x="1233904" y="2034610"/>
-            <a:ext cx="6676191" cy="3657143"/>
+            <a:off x="605333" y="1777467"/>
+            <a:ext cx="7933334" cy="4171429"/>
           </a:xfrm>
           <a:prstGeom prst="rect">
             <a:avLst/>
@@ -3676,7 +4516,7 @@
       </p:sp>
       <p:pic>
         <p:nvPicPr>
-          <p:cNvPr id="8194" name="Picture 2"/>
+          <p:cNvPr id="7170" name="Picture 2"/>
           <p:cNvPicPr>
             <a:picLocks noGrp="1" noChangeAspect="1" noChangeArrowheads="1"/>
           </p:cNvPicPr>
@@ -3693,8 +4533,8 @@
         </p:blipFill>
         <p:spPr bwMode="auto">
           <a:xfrm>
-            <a:off x="2338666" y="1882229"/>
-            <a:ext cx="4466667" cy="3961905"/>
+            <a:off x="1233904" y="2034610"/>
+            <a:ext cx="6676191" cy="3657143"/>
           </a:xfrm>
           <a:prstGeom prst="rect">
             <a:avLst/>
@@ -3750,16 +4590,16 @@
           <a:lstStyle/>
           <a:p>
             <a:r>
-              <a:rPr lang="zh-CN" altLang="en-US" smtClean="0"/>
+              <a:rPr lang="zh-CN" altLang="en-US" dirty="0" smtClean="0"/>
               <a:t>装饰者模式</a:t>
             </a:r>
-            <a:endParaRPr lang="zh-CN" altLang="en-US"/>
+            <a:endParaRPr lang="zh-CN" altLang="en-US" dirty="0"/>
           </a:p>
         </p:txBody>
       </p:sp>
       <p:pic>
         <p:nvPicPr>
-          <p:cNvPr id="1026" name="Picture 2"/>
+          <p:cNvPr id="8194" name="Picture 2"/>
           <p:cNvPicPr>
             <a:picLocks noGrp="1" noChangeAspect="1" noChangeArrowheads="1"/>
           </p:cNvPicPr>
@@ -3776,8 +4616,8 @@
         </p:blipFill>
         <p:spPr bwMode="auto">
           <a:xfrm>
-            <a:off x="852952" y="1748895"/>
-            <a:ext cx="7438096" cy="4228572"/>
+            <a:off x="2338666" y="1882229"/>
+            <a:ext cx="4466667" cy="3961905"/>
           </a:xfrm>
           <a:prstGeom prst="rect">
             <a:avLst/>
